--- a/05_ReproducibleResearch/ReproducibleResearchConcepts/ReproResearch.pptx
+++ b/05_ReproducibleResearch/ReproducibleResearchConcepts/ReproResearch.pptx
@@ -213,7 +213,7 @@
           </a:lstStyle>
           <a:p>
             <a:fld id="{2C1DC8AC-9EF7-2742-920C-617273C781B7}" type="datetimeFigureOut">
-              <a:t>9/18/13</a:t>
+              <a:t>2/9/14</a:t>
             </a:fld>
             <a:endParaRPr lang="en-US"/>
           </a:p>
@@ -2570,7 +2570,7 @@
             <a:fld id="{3FF98AD1-E583-4B40-B36B-AA0E84A55E73}" type="datetimeFigureOut">
               <a:rPr lang="en-US" smtClean="0"/>
               <a:pPr/>
-              <a:t>9/18/13</a:t>
+              <a:t>2/9/14</a:t>
             </a:fld>
             <a:endParaRPr lang="en-US"/>
           </a:p>
@@ -2737,7 +2737,7 @@
             <a:fld id="{3FF98AD1-E583-4B40-B36B-AA0E84A55E73}" type="datetimeFigureOut">
               <a:rPr lang="en-US" smtClean="0"/>
               <a:pPr/>
-              <a:t>9/18/13</a:t>
+              <a:t>2/9/14</a:t>
             </a:fld>
             <a:endParaRPr lang="en-US"/>
           </a:p>
@@ -2914,7 +2914,7 @@
             <a:fld id="{3FF98AD1-E583-4B40-B36B-AA0E84A55E73}" type="datetimeFigureOut">
               <a:rPr lang="en-US" smtClean="0"/>
               <a:pPr/>
-              <a:t>9/18/13</a:t>
+              <a:t>2/9/14</a:t>
             </a:fld>
             <a:endParaRPr lang="en-US"/>
           </a:p>
@@ -3081,7 +3081,7 @@
             <a:fld id="{3FF98AD1-E583-4B40-B36B-AA0E84A55E73}" type="datetimeFigureOut">
               <a:rPr lang="en-US" smtClean="0"/>
               <a:pPr/>
-              <a:t>9/18/13</a:t>
+              <a:t>2/9/14</a:t>
             </a:fld>
             <a:endParaRPr lang="en-US"/>
           </a:p>
@@ -3324,7 +3324,7 @@
             <a:fld id="{3FF98AD1-E583-4B40-B36B-AA0E84A55E73}" type="datetimeFigureOut">
               <a:rPr lang="en-US" smtClean="0"/>
               <a:pPr/>
-              <a:t>9/18/13</a:t>
+              <a:t>2/9/14</a:t>
             </a:fld>
             <a:endParaRPr lang="en-US"/>
           </a:p>
@@ -3609,7 +3609,7 @@
             <a:fld id="{3FF98AD1-E583-4B40-B36B-AA0E84A55E73}" type="datetimeFigureOut">
               <a:rPr lang="en-US" smtClean="0"/>
               <a:pPr/>
-              <a:t>9/18/13</a:t>
+              <a:t>2/9/14</a:t>
             </a:fld>
             <a:endParaRPr lang="en-US"/>
           </a:p>
@@ -4028,7 +4028,7 @@
             <a:fld id="{3FF98AD1-E583-4B40-B36B-AA0E84A55E73}" type="datetimeFigureOut">
               <a:rPr lang="en-US" smtClean="0"/>
               <a:pPr/>
-              <a:t>9/18/13</a:t>
+              <a:t>2/9/14</a:t>
             </a:fld>
             <a:endParaRPr lang="en-US"/>
           </a:p>
@@ -4143,7 +4143,7 @@
             <a:fld id="{3FF98AD1-E583-4B40-B36B-AA0E84A55E73}" type="datetimeFigureOut">
               <a:rPr lang="en-US" smtClean="0"/>
               <a:pPr/>
-              <a:t>9/18/13</a:t>
+              <a:t>2/9/14</a:t>
             </a:fld>
             <a:endParaRPr lang="en-US"/>
           </a:p>
@@ -4235,7 +4235,7 @@
             <a:fld id="{3FF98AD1-E583-4B40-B36B-AA0E84A55E73}" type="datetimeFigureOut">
               <a:rPr lang="en-US" smtClean="0"/>
               <a:pPr/>
-              <a:t>9/18/13</a:t>
+              <a:t>2/9/14</a:t>
             </a:fld>
             <a:endParaRPr lang="en-US"/>
           </a:p>
@@ -4509,7 +4509,7 @@
             <a:fld id="{3FF98AD1-E583-4B40-B36B-AA0E84A55E73}" type="datetimeFigureOut">
               <a:rPr lang="en-US" smtClean="0"/>
               <a:pPr/>
-              <a:t>9/18/13</a:t>
+              <a:t>2/9/14</a:t>
             </a:fld>
             <a:endParaRPr lang="en-US"/>
           </a:p>
@@ -4759,7 +4759,7 @@
             <a:fld id="{3FF98AD1-E583-4B40-B36B-AA0E84A55E73}" type="datetimeFigureOut">
               <a:rPr lang="en-US" smtClean="0"/>
               <a:pPr/>
-              <a:t>9/18/13</a:t>
+              <a:t>2/9/14</a:t>
             </a:fld>
             <a:endParaRPr lang="en-US"/>
           </a:p>
@@ -4969,7 +4969,7 @@
             <a:fld id="{3FF98AD1-E583-4B40-B36B-AA0E84A55E73}" type="datetimeFigureOut">
               <a:rPr lang="en-US" smtClean="0"/>
               <a:pPr/>
-              <a:t>9/18/13</a:t>
+              <a:t>2/9/14</a:t>
             </a:fld>
             <a:endParaRPr lang="en-US"/>
           </a:p>
@@ -5395,10 +5395,25 @@
           <a:lstStyle/>
           <a:p>
             <a:r>
-              <a:rPr lang="en-US" dirty="0" smtClean="0"/>
-              <a:t>Computing for Data Analysis</a:t>
-            </a:r>
+              <a:rPr lang="en-US" dirty="0"/>
+              <a:t>Reproducible Research</a:t>
+            </a:r>
+          </a:p>
+          <a:p>
             <a:endParaRPr lang="en-US" sz="2800" dirty="0"/>
+          </a:p>
+          <a:p>
+            <a:r>
+              <a:rPr lang="en-US" sz="2400" i="1" dirty="0"/>
+              <a:t>Roger D. Peng, Associate Professor of Biostatistics</a:t>
+            </a:r>
+          </a:p>
+          <a:p>
+            <a:r>
+              <a:rPr lang="en-US" sz="2400" i="1" dirty="0"/>
+              <a:t>Johns Hopkins Bloomberg School of Public Health</a:t>
+            </a:r>
+            <a:endParaRPr lang="en-US" sz="2400" i="1" dirty="0"/>
           </a:p>
         </p:txBody>
       </p:sp>
